--- a/debraray_bootcampProjectProposal.pptx
+++ b/debraray_bootcampProjectProposal.pptx
@@ -7867,7 +7867,7 @@
           <a:p>
             <a:fld id="{88D38747-4367-4BD2-8D51-C97E202738E2}" type="datetime1">
               <a:rPr lang="en-US" smtClean="0"/>
-              <a:t>10/8/2020</a:t>
+              <a:t>10/27/2020</a:t>
             </a:fld>
             <a:endParaRPr lang="en-US" dirty="0"/>
           </a:p>
@@ -8066,7 +8066,7 @@
           <a:p>
             <a:fld id="{073ED0CC-082F-4160-86E5-0D6041F12778}" type="datetime1">
               <a:rPr lang="en-US" smtClean="0"/>
-              <a:t>10/8/2020</a:t>
+              <a:t>10/27/2020</a:t>
             </a:fld>
             <a:endParaRPr lang="en-US" dirty="0"/>
           </a:p>
@@ -8275,7 +8275,7 @@
           <a:p>
             <a:fld id="{073ED0CC-082F-4160-86E5-0D6041F12778}" type="datetime1">
               <a:rPr lang="en-US" smtClean="0"/>
-              <a:t>10/8/2020</a:t>
+              <a:t>10/27/2020</a:t>
             </a:fld>
             <a:endParaRPr lang="en-US" dirty="0"/>
           </a:p>
@@ -8474,7 +8474,7 @@
           <a:p>
             <a:fld id="{73C55A3C-5767-4844-A0A3-83778C2E5409}" type="datetime1">
               <a:rPr lang="en-US" smtClean="0"/>
-              <a:t>10/8/2020</a:t>
+              <a:t>10/27/2020</a:t>
             </a:fld>
             <a:endParaRPr lang="en-US" dirty="0"/>
           </a:p>
@@ -8749,7 +8749,7 @@
           <a:p>
             <a:fld id="{CAE507A8-A5CF-4D38-AB86-7EDDA87A85D4}" type="datetime1">
               <a:rPr lang="en-US" smtClean="0"/>
-              <a:t>10/8/2020</a:t>
+              <a:t>10/27/2020</a:t>
             </a:fld>
             <a:endParaRPr lang="en-US" dirty="0"/>
           </a:p>
@@ -9015,7 +9015,7 @@
           <a:p>
             <a:fld id="{BDFCD27C-8599-43EF-BA1D-14DDC1946E06}" type="datetime1">
               <a:rPr lang="en-US" smtClean="0"/>
-              <a:t>10/8/2020</a:t>
+              <a:t>10/27/2020</a:t>
             </a:fld>
             <a:endParaRPr lang="en-US" dirty="0"/>
           </a:p>
@@ -9427,7 +9427,7 @@
           <a:p>
             <a:fld id="{49343D99-809A-49C0-96E5-4250D0B498EE}" type="datetime1">
               <a:rPr lang="en-US" smtClean="0"/>
-              <a:t>10/8/2020</a:t>
+              <a:t>10/27/2020</a:t>
             </a:fld>
             <a:endParaRPr lang="en-US" dirty="0"/>
           </a:p>
@@ -9568,7 +9568,7 @@
           <a:p>
             <a:fld id="{A143DE9B-B678-4EFB-BB7D-A4370204A0B0}" type="datetime1">
               <a:rPr lang="en-US" smtClean="0"/>
-              <a:t>10/8/2020</a:t>
+              <a:t>10/27/2020</a:t>
             </a:fld>
             <a:endParaRPr lang="en-US" dirty="0"/>
           </a:p>
@@ -9681,7 +9681,7 @@
           <a:p>
             <a:fld id="{E68812DA-F765-4142-A6A3-A8ED7235E082}" type="datetime1">
               <a:rPr lang="en-US" smtClean="0"/>
-              <a:t>10/8/2020</a:t>
+              <a:t>10/27/2020</a:t>
             </a:fld>
             <a:endParaRPr lang="en-US" dirty="0"/>
           </a:p>
@@ -9992,7 +9992,7 @@
           <a:p>
             <a:fld id="{3E0277FD-7DE6-41D4-930D-AC99F5AFE54E}" type="datetime1">
               <a:rPr lang="en-US" smtClean="0"/>
-              <a:t>10/8/2020</a:t>
+              <a:t>10/27/2020</a:t>
             </a:fld>
             <a:endParaRPr lang="en-US" dirty="0"/>
           </a:p>
@@ -10281,7 +10281,7 @@
           <a:p>
             <a:fld id="{9EA15526-7079-4B7B-987C-1B5FAE11A0FF}" type="datetime1">
               <a:rPr lang="en-US" smtClean="0"/>
-              <a:t>10/8/2020</a:t>
+              <a:t>10/27/2020</a:t>
             </a:fld>
             <a:endParaRPr lang="en-US" dirty="0"/>
           </a:p>
@@ -10523,7 +10523,7 @@
           <a:p>
             <a:fld id="{073ED0CC-082F-4160-86E5-0D6041F12778}" type="datetime1">
               <a:rPr lang="en-US" smtClean="0"/>
-              <a:t>10/8/2020</a:t>
+              <a:t>10/27/2020</a:t>
             </a:fld>
             <a:endParaRPr lang="en-US" dirty="0"/>
           </a:p>
@@ -13493,13 +13493,13 @@
         </p:nvSpPr>
         <p:spPr>
           <a:xfrm>
-            <a:off x="1503622" y="3035916"/>
-            <a:ext cx="9433170" cy="1301750"/>
+            <a:off x="1503622" y="3035915"/>
+            <a:ext cx="9433170" cy="1460247"/>
           </a:xfrm>
         </p:spPr>
         <p:txBody>
           <a:bodyPr anchor="ctr">
-            <a:normAutofit/>
+            <a:normAutofit lnSpcReduction="10000"/>
           </a:bodyPr>
           <a:lstStyle/>
           <a:p>
@@ -13509,7 +13509,7 @@
             </a:pPr>
             <a:r>
               <a:rPr lang="en-US" sz="1800" dirty="0"/>
-              <a:t>Incorporate more years of observations. </a:t>
+              <a:t>Incorporate at least quarterly if not monthly data to increase the observation size and account for seasonal fluctuations.</a:t>
             </a:r>
           </a:p>
           <a:p>
@@ -13520,6 +13520,16 @@
             <a:r>
               <a:rPr lang="en-US" sz="1800" dirty="0"/>
               <a:t>Add other countries of interest including Russia and OPEC countries like Iran, the United Arab Emirates, and Venezuela to look for relationships of interest in this analysis. </a:t>
+            </a:r>
+          </a:p>
+          <a:p>
+            <a:pPr marL="342900" indent="-342900">
+              <a:buFont typeface="+mj-lt"/>
+              <a:buAutoNum type="arabicPeriod"/>
+            </a:pPr>
+            <a:r>
+              <a:rPr lang="en-US" sz="1800" dirty="0"/>
+              <a:t>Nail down the best outcome variable for the project.</a:t>
             </a:r>
           </a:p>
         </p:txBody>
@@ -13589,7 +13599,7 @@
         </p:nvSpPr>
         <p:spPr>
           <a:xfrm>
-            <a:off x="1503622" y="5023992"/>
+            <a:off x="1503622" y="5298955"/>
             <a:ext cx="9433170" cy="923330"/>
           </a:xfrm>
           <a:prstGeom prst="rect">
@@ -13647,7 +13657,7 @@
         </p:nvSpPr>
         <p:spPr>
           <a:xfrm>
-            <a:off x="1503622" y="4496163"/>
+            <a:off x="1503622" y="4762292"/>
             <a:ext cx="2306785" cy="369332"/>
           </a:xfrm>
           <a:prstGeom prst="rect">
@@ -17740,15 +17750,6 @@
 </file>
 
 <file path=customXml/item2.xml><?xml version="1.0" encoding="utf-8"?>
-<?mso-contentType ?>
-<FormTemplates xmlns="http://schemas.microsoft.com/sharepoint/v3/contenttype/forms">
-  <Display>DocumentLibraryForm</Display>
-  <Edit>DocumentLibraryForm</Edit>
-  <New>DocumentLibraryForm</New>
-</FormTemplates>
-</file>
-
-<file path=customXml/item3.xml><?xml version="1.0" encoding="utf-8"?>
 <ct:contentTypeSchema xmlns:ct="http://schemas.microsoft.com/office/2006/metadata/contentType" xmlns:ma="http://schemas.microsoft.com/office/2006/metadata/properties/metaAttributes" ct:_="" ma:_="" ma:contentTypeName="Document" ma:contentTypeID="0x01010079F111ED35F8CC479449609E8A0923A6" ma:contentTypeVersion="12" ma:contentTypeDescription="Create a new document." ma:contentTypeScope="" ma:versionID="a410dd7f93c95333ffa1b60ed6adedd1">
   <xsd:schema xmlns:xsd="http://www.w3.org/2001/XMLSchema" xmlns:xs="http://www.w3.org/2001/XMLSchema" xmlns:p="http://schemas.microsoft.com/office/2006/metadata/properties" xmlns:ns2="71af3243-3dd4-4a8d-8c0d-dd76da1f02a5" xmlns:ns3="16c05727-aa75-4e4a-9b5f-8a80a1165891" targetNamespace="http://schemas.microsoft.com/office/2006/metadata/properties" ma:root="true" ma:fieldsID="a936d9baba76aa3866493feff160faab" ns2:_="" ns3:_="">
     <xsd:import namespace="71af3243-3dd4-4a8d-8c0d-dd76da1f02a5"/>
@@ -17969,6 +17970,15 @@
 </ct:contentTypeSchema>
 </file>
 
+<file path=customXml/item3.xml><?xml version="1.0" encoding="utf-8"?>
+<?mso-contentType ?>
+<FormTemplates xmlns="http://schemas.microsoft.com/sharepoint/v3/contenttype/forms">
+  <Display>DocumentLibraryForm</Display>
+  <Edit>DocumentLibraryForm</Edit>
+  <New>DocumentLibraryForm</New>
+</FormTemplates>
+</file>
+
 <file path=customXml/itemProps1.xml><?xml version="1.0" encoding="utf-8"?>
 <ds:datastoreItem xmlns:ds="http://schemas.openxmlformats.org/officeDocument/2006/customXml" ds:itemID="{F7E70FC5-1855-47AB-8CE1-CB3C873A8988}">
   <ds:schemaRefs>
@@ -17980,14 +17990,6 @@
 </file>
 
 <file path=customXml/itemProps2.xml><?xml version="1.0" encoding="utf-8"?>
-<ds:datastoreItem xmlns:ds="http://schemas.openxmlformats.org/officeDocument/2006/customXml" ds:itemID="{30CB38EC-895A-4F8F-8F75-E263501ABB5A}">
-  <ds:schemaRefs>
-    <ds:schemaRef ds:uri="http://schemas.microsoft.com/sharepoint/v3/contenttype/forms"/>
-  </ds:schemaRefs>
-</ds:datastoreItem>
-</file>
-
-<file path=customXml/itemProps3.xml><?xml version="1.0" encoding="utf-8"?>
 <ds:datastoreItem xmlns:ds="http://schemas.openxmlformats.org/officeDocument/2006/customXml" ds:itemID="{5560E646-30AD-4BA0-97EA-A7A07DF5499A}">
   <ds:schemaRefs>
     <ds:schemaRef ds:uri="http://schemas.microsoft.com/office/2006/metadata/contentType"/>
@@ -18004,4 +18006,12 @@
     <ds:schemaRef ds:uri="http://schemas.microsoft.com/internal/obd"/>
   </ds:schemaRefs>
 </ds:datastoreItem>
+</file>
+
+<file path=customXml/itemProps3.xml><?xml version="1.0" encoding="utf-8"?>
+<ds:datastoreItem xmlns:ds="http://schemas.openxmlformats.org/officeDocument/2006/customXml" ds:itemID="{30CB38EC-895A-4F8F-8F75-E263501ABB5A}">
+  <ds:schemaRefs>
+    <ds:schemaRef ds:uri="http://schemas.microsoft.com/sharepoint/v3/contenttype/forms"/>
+  </ds:schemaRefs>
+</ds:datastoreItem>
 </file>
--- a/debraray_bootcampProjectProposal.pptx
+++ b/debraray_bootcampProjectProposal.pptx
@@ -13494,12 +13494,12 @@
         <p:spPr>
           <a:xfrm>
             <a:off x="1503622" y="3035915"/>
-            <a:ext cx="9433170" cy="1460247"/>
+            <a:ext cx="9433170" cy="1559046"/>
           </a:xfrm>
         </p:spPr>
         <p:txBody>
           <a:bodyPr anchor="ctr">
-            <a:normAutofit lnSpcReduction="10000"/>
+            <a:normAutofit fontScale="92500" lnSpcReduction="20000"/>
           </a:bodyPr>
           <a:lstStyle/>
           <a:p>
@@ -13519,7 +13519,7 @@
             </a:pPr>
             <a:r>
               <a:rPr lang="en-US" sz="1800" dirty="0"/>
-              <a:t>Add other countries of interest including Russia and OPEC countries like Iran, the United Arab Emirates, and Venezuela to look for relationships of interest in this analysis. </a:t>
+              <a:t>Add other countries of interest including Russia and OPEC countries like Iran, the United Arab Emirates, and Venezuela to look for relationships of interest in this analysis while accounting for multicollinearity issues.</a:t>
             </a:r>
           </a:p>
           <a:p>
@@ -13567,21 +13567,8 @@
                   <a:schemeClr val="accent1"/>
                 </a:solidFill>
               </a:rPr>
-              <a:t>I would like to expand the data included in this analysis in at least </a:t>
+              <a:t>I would like to expand the data included in this analysis in at least three ways: </a:t>
             </a:r>
-            <a:r>
-              <a:rPr lang="en-US">
-                <a:solidFill>
-                  <a:schemeClr val="accent1"/>
-                </a:solidFill>
-              </a:rPr>
-              <a:t>two ways: </a:t>
-            </a:r>
-            <a:endParaRPr lang="en-US" dirty="0">
-              <a:solidFill>
-                <a:schemeClr val="accent1"/>
-              </a:solidFill>
-            </a:endParaRPr>
           </a:p>
         </p:txBody>
       </p:sp>
@@ -17750,6 +17737,15 @@
 </file>
 
 <file path=customXml/item2.xml><?xml version="1.0" encoding="utf-8"?>
+<?mso-contentType ?>
+<FormTemplates xmlns="http://schemas.microsoft.com/sharepoint/v3/contenttype/forms">
+  <Display>DocumentLibraryForm</Display>
+  <Edit>DocumentLibraryForm</Edit>
+  <New>DocumentLibraryForm</New>
+</FormTemplates>
+</file>
+
+<file path=customXml/item3.xml><?xml version="1.0" encoding="utf-8"?>
 <ct:contentTypeSchema xmlns:ct="http://schemas.microsoft.com/office/2006/metadata/contentType" xmlns:ma="http://schemas.microsoft.com/office/2006/metadata/properties/metaAttributes" ct:_="" ma:_="" ma:contentTypeName="Document" ma:contentTypeID="0x01010079F111ED35F8CC479449609E8A0923A6" ma:contentTypeVersion="12" ma:contentTypeDescription="Create a new document." ma:contentTypeScope="" ma:versionID="a410dd7f93c95333ffa1b60ed6adedd1">
   <xsd:schema xmlns:xsd="http://www.w3.org/2001/XMLSchema" xmlns:xs="http://www.w3.org/2001/XMLSchema" xmlns:p="http://schemas.microsoft.com/office/2006/metadata/properties" xmlns:ns2="71af3243-3dd4-4a8d-8c0d-dd76da1f02a5" xmlns:ns3="16c05727-aa75-4e4a-9b5f-8a80a1165891" targetNamespace="http://schemas.microsoft.com/office/2006/metadata/properties" ma:root="true" ma:fieldsID="a936d9baba76aa3866493feff160faab" ns2:_="" ns3:_="">
     <xsd:import namespace="71af3243-3dd4-4a8d-8c0d-dd76da1f02a5"/>
@@ -17970,15 +17966,6 @@
 </ct:contentTypeSchema>
 </file>
 
-<file path=customXml/item3.xml><?xml version="1.0" encoding="utf-8"?>
-<?mso-contentType ?>
-<FormTemplates xmlns="http://schemas.microsoft.com/sharepoint/v3/contenttype/forms">
-  <Display>DocumentLibraryForm</Display>
-  <Edit>DocumentLibraryForm</Edit>
-  <New>DocumentLibraryForm</New>
-</FormTemplates>
-</file>
-
 <file path=customXml/itemProps1.xml><?xml version="1.0" encoding="utf-8"?>
 <ds:datastoreItem xmlns:ds="http://schemas.openxmlformats.org/officeDocument/2006/customXml" ds:itemID="{F7E70FC5-1855-47AB-8CE1-CB3C873A8988}">
   <ds:schemaRefs>
@@ -17990,6 +17977,14 @@
 </file>
 
 <file path=customXml/itemProps2.xml><?xml version="1.0" encoding="utf-8"?>
+<ds:datastoreItem xmlns:ds="http://schemas.openxmlformats.org/officeDocument/2006/customXml" ds:itemID="{30CB38EC-895A-4F8F-8F75-E263501ABB5A}">
+  <ds:schemaRefs>
+    <ds:schemaRef ds:uri="http://schemas.microsoft.com/sharepoint/v3/contenttype/forms"/>
+  </ds:schemaRefs>
+</ds:datastoreItem>
+</file>
+
+<file path=customXml/itemProps3.xml><?xml version="1.0" encoding="utf-8"?>
 <ds:datastoreItem xmlns:ds="http://schemas.openxmlformats.org/officeDocument/2006/customXml" ds:itemID="{5560E646-30AD-4BA0-97EA-A7A07DF5499A}">
   <ds:schemaRefs>
     <ds:schemaRef ds:uri="http://schemas.microsoft.com/office/2006/metadata/contentType"/>
@@ -18006,12 +18001,4 @@
     <ds:schemaRef ds:uri="http://schemas.microsoft.com/internal/obd"/>
   </ds:schemaRefs>
 </ds:datastoreItem>
-</file>
-
-<file path=customXml/itemProps3.xml><?xml version="1.0" encoding="utf-8"?>
-<ds:datastoreItem xmlns:ds="http://schemas.openxmlformats.org/officeDocument/2006/customXml" ds:itemID="{30CB38EC-895A-4F8F-8F75-E263501ABB5A}">
-  <ds:schemaRefs>
-    <ds:schemaRef ds:uri="http://schemas.microsoft.com/sharepoint/v3/contenttype/forms"/>
-  </ds:schemaRefs>
-</ds:datastoreItem>
 </file>
--- a/debraray_bootcampProjectProposal.pptx
+++ b/debraray_bootcampProjectProposal.pptx
@@ -17,7 +17,8 @@
     <p:sldId id="290" r:id="rId14"/>
     <p:sldId id="292" r:id="rId15"/>
     <p:sldId id="291" r:id="rId16"/>
-    <p:sldId id="289" r:id="rId17"/>
+    <p:sldId id="293" r:id="rId17"/>
+    <p:sldId id="289" r:id="rId18"/>
   </p:sldIdLst>
   <p:sldSz cx="12192000" cy="6858000"/>
   <p:notesSz cx="6858000" cy="9144000"/>
@@ -12892,6 +12893,328 @@
 <file path=ppt/slides/slide13.xml><?xml version="1.0" encoding="utf-8"?>
 <p:sld xmlns:a="http://schemas.openxmlformats.org/drawingml/2006/main" xmlns:r="http://schemas.openxmlformats.org/officeDocument/2006/relationships" xmlns:p="http://schemas.openxmlformats.org/presentationml/2006/main">
   <p:cSld>
+    <p:spTree>
+      <p:nvGrpSpPr>
+        <p:cNvPr id="1" name=""/>
+        <p:cNvGrpSpPr/>
+        <p:nvPr/>
+      </p:nvGrpSpPr>
+      <p:grpSpPr>
+        <a:xfrm>
+          <a:off x="0" y="0"/>
+          <a:ext cx="0" cy="0"/>
+          <a:chOff x="0" y="0"/>
+          <a:chExt cx="0" cy="0"/>
+        </a:xfrm>
+      </p:grpSpPr>
+      <p:sp>
+        <p:nvSpPr>
+          <p:cNvPr id="2" name="Title 1">
+            <a:extLst>
+              <a:ext uri="{FF2B5EF4-FFF2-40B4-BE49-F238E27FC236}">
+                <a16:creationId xmlns:a16="http://schemas.microsoft.com/office/drawing/2014/main" id="{143AEF6B-CAA7-430E-9342-D41ACFA9B59D}"/>
+              </a:ext>
+            </a:extLst>
+          </p:cNvPr>
+          <p:cNvSpPr>
+            <a:spLocks noGrp="1"/>
+          </p:cNvSpPr>
+          <p:nvPr>
+            <p:ph type="title"/>
+          </p:nvPr>
+        </p:nvSpPr>
+        <p:spPr/>
+        <p:txBody>
+          <a:bodyPr/>
+          <a:lstStyle/>
+          <a:p>
+            <a:r>
+              <a:rPr lang="en-US" dirty="0"/>
+              <a:t>Problem: Multicollinearity based on VIF</a:t>
+            </a:r>
+          </a:p>
+        </p:txBody>
+      </p:sp>
+      <p:pic>
+        <p:nvPicPr>
+          <p:cNvPr id="4" name="Content Placeholder 3">
+            <a:extLst>
+              <a:ext uri="{FF2B5EF4-FFF2-40B4-BE49-F238E27FC236}">
+                <a16:creationId xmlns:a16="http://schemas.microsoft.com/office/drawing/2014/main" id="{D6CB0F9C-078B-4A84-804D-AE2C24780AB0}"/>
+              </a:ext>
+            </a:extLst>
+          </p:cNvPr>
+          <p:cNvPicPr>
+            <a:picLocks noGrp="1" noChangeAspect="1"/>
+          </p:cNvPicPr>
+          <p:nvPr>
+            <p:ph idx="1"/>
+          </p:nvPr>
+        </p:nvPicPr>
+        <p:blipFill>
+          <a:blip r:embed="rId2"/>
+          <a:stretch>
+            <a:fillRect/>
+          </a:stretch>
+        </p:blipFill>
+        <p:spPr>
+          <a:xfrm>
+            <a:off x="1228898" y="2248308"/>
+            <a:ext cx="5479473" cy="4099668"/>
+          </a:xfrm>
+          <a:prstGeom prst="rect">
+            <a:avLst/>
+          </a:prstGeom>
+        </p:spPr>
+      </p:pic>
+      <p:pic>
+        <p:nvPicPr>
+          <p:cNvPr id="5" name="Picture 4">
+            <a:extLst>
+              <a:ext uri="{FF2B5EF4-FFF2-40B4-BE49-F238E27FC236}">
+                <a16:creationId xmlns:a16="http://schemas.microsoft.com/office/drawing/2014/main" id="{61FAC079-07AB-4C33-826A-5A158CBA56B9}"/>
+              </a:ext>
+            </a:extLst>
+          </p:cNvPr>
+          <p:cNvPicPr>
+            <a:picLocks noChangeAspect="1"/>
+          </p:cNvPicPr>
+          <p:nvPr/>
+        </p:nvPicPr>
+        <p:blipFill>
+          <a:blip r:embed="rId3"/>
+          <a:stretch>
+            <a:fillRect/>
+          </a:stretch>
+        </p:blipFill>
+        <p:spPr>
+          <a:xfrm>
+            <a:off x="7546832" y="2152996"/>
+            <a:ext cx="2847335" cy="4290293"/>
+          </a:xfrm>
+          <a:prstGeom prst="rect">
+            <a:avLst/>
+          </a:prstGeom>
+        </p:spPr>
+      </p:pic>
+      <p:sp>
+        <p:nvSpPr>
+          <p:cNvPr id="6" name="Content Placeholder 2">
+            <a:extLst>
+              <a:ext uri="{FF2B5EF4-FFF2-40B4-BE49-F238E27FC236}">
+                <a16:creationId xmlns:a16="http://schemas.microsoft.com/office/drawing/2014/main" id="{F16C30C5-3CF3-4D02-96D5-ACBBDEB5379A}"/>
+              </a:ext>
+            </a:extLst>
+          </p:cNvPr>
+          <p:cNvSpPr txBox="1">
+            <a:spLocks/>
+          </p:cNvSpPr>
+          <p:nvPr/>
+        </p:nvSpPr>
+        <p:spPr>
+          <a:xfrm>
+            <a:off x="939339" y="1431585"/>
+            <a:ext cx="8919556" cy="721411"/>
+          </a:xfrm>
+          <a:prstGeom prst="rect">
+            <a:avLst/>
+          </a:prstGeom>
+        </p:spPr>
+        <p:txBody>
+          <a:bodyPr vert="horz" lIns="91440" tIns="45720" rIns="91440" bIns="45720" rtlCol="0">
+            <a:normAutofit/>
+          </a:bodyPr>
+          <a:lstStyle>
+            <a:lvl1pPr marL="228600" indent="-228600" algn="l" defTabSz="914400" rtl="0" eaLnBrk="1" latinLnBrk="0" hangingPunct="1">
+              <a:lnSpc>
+                <a:spcPct val="90000"/>
+              </a:lnSpc>
+              <a:spcBef>
+                <a:spcPts val="1000"/>
+              </a:spcBef>
+              <a:buFont typeface="Arial" panose="020B0604020202020204" pitchFamily="34" charset="0"/>
+              <a:buChar char="•"/>
+              <a:defRPr sz="2800" kern="1200">
+                <a:solidFill>
+                  <a:schemeClr val="tx1"/>
+                </a:solidFill>
+                <a:latin typeface="+mn-lt"/>
+                <a:ea typeface="+mn-ea"/>
+                <a:cs typeface="+mn-cs"/>
+              </a:defRPr>
+            </a:lvl1pPr>
+            <a:lvl2pPr marL="685800" indent="-228600" algn="l" defTabSz="914400" rtl="0" eaLnBrk="1" latinLnBrk="0" hangingPunct="1">
+              <a:lnSpc>
+                <a:spcPct val="90000"/>
+              </a:lnSpc>
+              <a:spcBef>
+                <a:spcPts val="500"/>
+              </a:spcBef>
+              <a:buFont typeface="Arial" panose="020B0604020202020204" pitchFamily="34" charset="0"/>
+              <a:buChar char="•"/>
+              <a:defRPr sz="2400" kern="1200">
+                <a:solidFill>
+                  <a:schemeClr val="tx1"/>
+                </a:solidFill>
+                <a:latin typeface="+mn-lt"/>
+                <a:ea typeface="+mn-ea"/>
+                <a:cs typeface="+mn-cs"/>
+              </a:defRPr>
+            </a:lvl2pPr>
+            <a:lvl3pPr marL="1143000" indent="-228600" algn="l" defTabSz="914400" rtl="0" eaLnBrk="1" latinLnBrk="0" hangingPunct="1">
+              <a:lnSpc>
+                <a:spcPct val="90000"/>
+              </a:lnSpc>
+              <a:spcBef>
+                <a:spcPts val="500"/>
+              </a:spcBef>
+              <a:buFont typeface="Arial" panose="020B0604020202020204" pitchFamily="34" charset="0"/>
+              <a:buChar char="•"/>
+              <a:defRPr sz="2000" kern="1200">
+                <a:solidFill>
+                  <a:schemeClr val="tx1"/>
+                </a:solidFill>
+                <a:latin typeface="+mn-lt"/>
+                <a:ea typeface="+mn-ea"/>
+                <a:cs typeface="+mn-cs"/>
+              </a:defRPr>
+            </a:lvl3pPr>
+            <a:lvl4pPr marL="1600200" indent="-228600" algn="l" defTabSz="914400" rtl="0" eaLnBrk="1" latinLnBrk="0" hangingPunct="1">
+              <a:lnSpc>
+                <a:spcPct val="90000"/>
+              </a:lnSpc>
+              <a:spcBef>
+                <a:spcPts val="500"/>
+              </a:spcBef>
+              <a:buFont typeface="Arial" panose="020B0604020202020204" pitchFamily="34" charset="0"/>
+              <a:buChar char="•"/>
+              <a:defRPr sz="1800" kern="1200">
+                <a:solidFill>
+                  <a:schemeClr val="tx1"/>
+                </a:solidFill>
+                <a:latin typeface="+mn-lt"/>
+                <a:ea typeface="+mn-ea"/>
+                <a:cs typeface="+mn-cs"/>
+              </a:defRPr>
+            </a:lvl4pPr>
+            <a:lvl5pPr marL="2057400" indent="-228600" algn="l" defTabSz="914400" rtl="0" eaLnBrk="1" latinLnBrk="0" hangingPunct="1">
+              <a:lnSpc>
+                <a:spcPct val="90000"/>
+              </a:lnSpc>
+              <a:spcBef>
+                <a:spcPts val="500"/>
+              </a:spcBef>
+              <a:buFont typeface="Arial" panose="020B0604020202020204" pitchFamily="34" charset="0"/>
+              <a:buChar char="•"/>
+              <a:defRPr sz="1800" kern="1200">
+                <a:solidFill>
+                  <a:schemeClr val="tx1"/>
+                </a:solidFill>
+                <a:latin typeface="+mn-lt"/>
+                <a:ea typeface="+mn-ea"/>
+                <a:cs typeface="+mn-cs"/>
+              </a:defRPr>
+            </a:lvl5pPr>
+            <a:lvl6pPr marL="2514600" indent="-228600" algn="l" defTabSz="914400" rtl="0" eaLnBrk="1" latinLnBrk="0" hangingPunct="1">
+              <a:lnSpc>
+                <a:spcPct val="90000"/>
+              </a:lnSpc>
+              <a:spcBef>
+                <a:spcPts val="500"/>
+              </a:spcBef>
+              <a:buFont typeface="Arial" panose="020B0604020202020204" pitchFamily="34" charset="0"/>
+              <a:buChar char="•"/>
+              <a:defRPr sz="1800" kern="1200">
+                <a:solidFill>
+                  <a:schemeClr val="tx1"/>
+                </a:solidFill>
+                <a:latin typeface="+mn-lt"/>
+                <a:ea typeface="+mn-ea"/>
+                <a:cs typeface="+mn-cs"/>
+              </a:defRPr>
+            </a:lvl6pPr>
+            <a:lvl7pPr marL="2971800" indent="-228600" algn="l" defTabSz="914400" rtl="0" eaLnBrk="1" latinLnBrk="0" hangingPunct="1">
+              <a:lnSpc>
+                <a:spcPct val="90000"/>
+              </a:lnSpc>
+              <a:spcBef>
+                <a:spcPts val="500"/>
+              </a:spcBef>
+              <a:buFont typeface="Arial" panose="020B0604020202020204" pitchFamily="34" charset="0"/>
+              <a:buChar char="•"/>
+              <a:defRPr sz="1800" kern="1200">
+                <a:solidFill>
+                  <a:schemeClr val="tx1"/>
+                </a:solidFill>
+                <a:latin typeface="+mn-lt"/>
+                <a:ea typeface="+mn-ea"/>
+                <a:cs typeface="+mn-cs"/>
+              </a:defRPr>
+            </a:lvl7pPr>
+            <a:lvl8pPr marL="3429000" indent="-228600" algn="l" defTabSz="914400" rtl="0" eaLnBrk="1" latinLnBrk="0" hangingPunct="1">
+              <a:lnSpc>
+                <a:spcPct val="90000"/>
+              </a:lnSpc>
+              <a:spcBef>
+                <a:spcPts val="500"/>
+              </a:spcBef>
+              <a:buFont typeface="Arial" panose="020B0604020202020204" pitchFamily="34" charset="0"/>
+              <a:buChar char="•"/>
+              <a:defRPr sz="1800" kern="1200">
+                <a:solidFill>
+                  <a:schemeClr val="tx1"/>
+                </a:solidFill>
+                <a:latin typeface="+mn-lt"/>
+                <a:ea typeface="+mn-ea"/>
+                <a:cs typeface="+mn-cs"/>
+              </a:defRPr>
+            </a:lvl8pPr>
+            <a:lvl9pPr marL="3886200" indent="-228600" algn="l" defTabSz="914400" rtl="0" eaLnBrk="1" latinLnBrk="0" hangingPunct="1">
+              <a:lnSpc>
+                <a:spcPct val="90000"/>
+              </a:lnSpc>
+              <a:spcBef>
+                <a:spcPts val="500"/>
+              </a:spcBef>
+              <a:buFont typeface="Arial" panose="020B0604020202020204" pitchFamily="34" charset="0"/>
+              <a:buChar char="•"/>
+              <a:defRPr sz="1800" kern="1200">
+                <a:solidFill>
+                  <a:schemeClr val="tx1"/>
+                </a:solidFill>
+                <a:latin typeface="+mn-lt"/>
+                <a:ea typeface="+mn-ea"/>
+                <a:cs typeface="+mn-cs"/>
+              </a:defRPr>
+            </a:lvl9pPr>
+          </a:lstStyle>
+          <a:p>
+            <a:pPr marL="0" indent="0">
+              <a:buNone/>
+            </a:pPr>
+            <a:r>
+              <a:rPr lang="en-US" sz="1400" dirty="0"/>
+              <a:t>Typically, for predictive models, multicollinearity is not necessarily an issue. Nevertheless, it might be worth exploring analysis methods other than typical regression models to uncover data trends between independent variables and/or linearly combine countries with high collinearity to reduce the VIF when constructing the model.</a:t>
+            </a:r>
+          </a:p>
+        </p:txBody>
+      </p:sp>
+    </p:spTree>
+    <p:extLst>
+      <p:ext uri="{BB962C8B-B14F-4D97-AF65-F5344CB8AC3E}">
+        <p14:creationId xmlns:p14="http://schemas.microsoft.com/office/powerpoint/2010/main" val="659120176"/>
+      </p:ext>
+    </p:extLst>
+  </p:cSld>
+  <p:clrMapOvr>
+    <a:masterClrMapping/>
+  </p:clrMapOvr>
+</p:sld>
+</file>
+
+<file path=ppt/slides/slide14.xml><?xml version="1.0" encoding="utf-8"?>
+<p:sld xmlns:a="http://schemas.openxmlformats.org/drawingml/2006/main" xmlns:r="http://schemas.openxmlformats.org/officeDocument/2006/relationships" xmlns:p="http://schemas.openxmlformats.org/presentationml/2006/main">
+  <p:cSld>
     <p:bg>
       <p:bgPr>
         <a:solidFill>
@@ -17737,15 +18060,6 @@
 </file>
 
 <file path=customXml/item2.xml><?xml version="1.0" encoding="utf-8"?>
-<?mso-contentType ?>
-<FormTemplates xmlns="http://schemas.microsoft.com/sharepoint/v3/contenttype/forms">
-  <Display>DocumentLibraryForm</Display>
-  <Edit>DocumentLibraryForm</Edit>
-  <New>DocumentLibraryForm</New>
-</FormTemplates>
-</file>
-
-<file path=customXml/item3.xml><?xml version="1.0" encoding="utf-8"?>
 <ct:contentTypeSchema xmlns:ct="http://schemas.microsoft.com/office/2006/metadata/contentType" xmlns:ma="http://schemas.microsoft.com/office/2006/metadata/properties/metaAttributes" ct:_="" ma:_="" ma:contentTypeName="Document" ma:contentTypeID="0x01010079F111ED35F8CC479449609E8A0923A6" ma:contentTypeVersion="12" ma:contentTypeDescription="Create a new document." ma:contentTypeScope="" ma:versionID="a410dd7f93c95333ffa1b60ed6adedd1">
   <xsd:schema xmlns:xsd="http://www.w3.org/2001/XMLSchema" xmlns:xs="http://www.w3.org/2001/XMLSchema" xmlns:p="http://schemas.microsoft.com/office/2006/metadata/properties" xmlns:ns2="71af3243-3dd4-4a8d-8c0d-dd76da1f02a5" xmlns:ns3="16c05727-aa75-4e4a-9b5f-8a80a1165891" targetNamespace="http://schemas.microsoft.com/office/2006/metadata/properties" ma:root="true" ma:fieldsID="a936d9baba76aa3866493feff160faab" ns2:_="" ns3:_="">
     <xsd:import namespace="71af3243-3dd4-4a8d-8c0d-dd76da1f02a5"/>
@@ -17966,6 +18280,15 @@
 </ct:contentTypeSchema>
 </file>
 
+<file path=customXml/item3.xml><?xml version="1.0" encoding="utf-8"?>
+<?mso-contentType ?>
+<FormTemplates xmlns="http://schemas.microsoft.com/sharepoint/v3/contenttype/forms">
+  <Display>DocumentLibraryForm</Display>
+  <Edit>DocumentLibraryForm</Edit>
+  <New>DocumentLibraryForm</New>
+</FormTemplates>
+</file>
+
 <file path=customXml/itemProps1.xml><?xml version="1.0" encoding="utf-8"?>
 <ds:datastoreItem xmlns:ds="http://schemas.openxmlformats.org/officeDocument/2006/customXml" ds:itemID="{F7E70FC5-1855-47AB-8CE1-CB3C873A8988}">
   <ds:schemaRefs>
@@ -17977,14 +18300,6 @@
 </file>
 
 <file path=customXml/itemProps2.xml><?xml version="1.0" encoding="utf-8"?>
-<ds:datastoreItem xmlns:ds="http://schemas.openxmlformats.org/officeDocument/2006/customXml" ds:itemID="{30CB38EC-895A-4F8F-8F75-E263501ABB5A}">
-  <ds:schemaRefs>
-    <ds:schemaRef ds:uri="http://schemas.microsoft.com/sharepoint/v3/contenttype/forms"/>
-  </ds:schemaRefs>
-</ds:datastoreItem>
-</file>
-
-<file path=customXml/itemProps3.xml><?xml version="1.0" encoding="utf-8"?>
 <ds:datastoreItem xmlns:ds="http://schemas.openxmlformats.org/officeDocument/2006/customXml" ds:itemID="{5560E646-30AD-4BA0-97EA-A7A07DF5499A}">
   <ds:schemaRefs>
     <ds:schemaRef ds:uri="http://schemas.microsoft.com/office/2006/metadata/contentType"/>
@@ -18001,4 +18316,12 @@
     <ds:schemaRef ds:uri="http://schemas.microsoft.com/internal/obd"/>
   </ds:schemaRefs>
 </ds:datastoreItem>
+</file>
+
+<file path=customXml/itemProps3.xml><?xml version="1.0" encoding="utf-8"?>
+<ds:datastoreItem xmlns:ds="http://schemas.openxmlformats.org/officeDocument/2006/customXml" ds:itemID="{30CB38EC-895A-4F8F-8F75-E263501ABB5A}">
+  <ds:schemaRefs>
+    <ds:schemaRef ds:uri="http://schemas.microsoft.com/sharepoint/v3/contenttype/forms"/>
+  </ds:schemaRefs>
+</ds:datastoreItem>
 </file>
--- a/debraray_bootcampProjectProposal.pptx
+++ b/debraray_bootcampProjectProposal.pptx
@@ -18060,6 +18060,15 @@
 </file>
 
 <file path=customXml/item2.xml><?xml version="1.0" encoding="utf-8"?>
+<?mso-contentType ?>
+<FormTemplates xmlns="http://schemas.microsoft.com/sharepoint/v3/contenttype/forms">
+  <Display>DocumentLibraryForm</Display>
+  <Edit>DocumentLibraryForm</Edit>
+  <New>DocumentLibraryForm</New>
+</FormTemplates>
+</file>
+
+<file path=customXml/item3.xml><?xml version="1.0" encoding="utf-8"?>
 <ct:contentTypeSchema xmlns:ct="http://schemas.microsoft.com/office/2006/metadata/contentType" xmlns:ma="http://schemas.microsoft.com/office/2006/metadata/properties/metaAttributes" ct:_="" ma:_="" ma:contentTypeName="Document" ma:contentTypeID="0x01010079F111ED35F8CC479449609E8A0923A6" ma:contentTypeVersion="12" ma:contentTypeDescription="Create a new document." ma:contentTypeScope="" ma:versionID="a410dd7f93c95333ffa1b60ed6adedd1">
   <xsd:schema xmlns:xsd="http://www.w3.org/2001/XMLSchema" xmlns:xs="http://www.w3.org/2001/XMLSchema" xmlns:p="http://schemas.microsoft.com/office/2006/metadata/properties" xmlns:ns2="71af3243-3dd4-4a8d-8c0d-dd76da1f02a5" xmlns:ns3="16c05727-aa75-4e4a-9b5f-8a80a1165891" targetNamespace="http://schemas.microsoft.com/office/2006/metadata/properties" ma:root="true" ma:fieldsID="a936d9baba76aa3866493feff160faab" ns2:_="" ns3:_="">
     <xsd:import namespace="71af3243-3dd4-4a8d-8c0d-dd76da1f02a5"/>
@@ -18280,15 +18289,6 @@
 </ct:contentTypeSchema>
 </file>
 
-<file path=customXml/item3.xml><?xml version="1.0" encoding="utf-8"?>
-<?mso-contentType ?>
-<FormTemplates xmlns="http://schemas.microsoft.com/sharepoint/v3/contenttype/forms">
-  <Display>DocumentLibraryForm</Display>
-  <Edit>DocumentLibraryForm</Edit>
-  <New>DocumentLibraryForm</New>
-</FormTemplates>
-</file>
-
 <file path=customXml/itemProps1.xml><?xml version="1.0" encoding="utf-8"?>
 <ds:datastoreItem xmlns:ds="http://schemas.openxmlformats.org/officeDocument/2006/customXml" ds:itemID="{F7E70FC5-1855-47AB-8CE1-CB3C873A8988}">
   <ds:schemaRefs>
@@ -18300,6 +18300,14 @@
 </file>
 
 <file path=customXml/itemProps2.xml><?xml version="1.0" encoding="utf-8"?>
+<ds:datastoreItem xmlns:ds="http://schemas.openxmlformats.org/officeDocument/2006/customXml" ds:itemID="{30CB38EC-895A-4F8F-8F75-E263501ABB5A}">
+  <ds:schemaRefs>
+    <ds:schemaRef ds:uri="http://schemas.microsoft.com/sharepoint/v3/contenttype/forms"/>
+  </ds:schemaRefs>
+</ds:datastoreItem>
+</file>
+
+<file path=customXml/itemProps3.xml><?xml version="1.0" encoding="utf-8"?>
 <ds:datastoreItem xmlns:ds="http://schemas.openxmlformats.org/officeDocument/2006/customXml" ds:itemID="{5560E646-30AD-4BA0-97EA-A7A07DF5499A}">
   <ds:schemaRefs>
     <ds:schemaRef ds:uri="http://schemas.microsoft.com/office/2006/metadata/contentType"/>
@@ -18316,12 +18324,4 @@
     <ds:schemaRef ds:uri="http://schemas.microsoft.com/internal/obd"/>
   </ds:schemaRefs>
 </ds:datastoreItem>
-</file>
-
-<file path=customXml/itemProps3.xml><?xml version="1.0" encoding="utf-8"?>
-<ds:datastoreItem xmlns:ds="http://schemas.openxmlformats.org/officeDocument/2006/customXml" ds:itemID="{30CB38EC-895A-4F8F-8F75-E263501ABB5A}">
-  <ds:schemaRefs>
-    <ds:schemaRef ds:uri="http://schemas.microsoft.com/sharepoint/v3/contenttype/forms"/>
-  </ds:schemaRefs>
-</ds:datastoreItem>
 </file>